--- a/Weather-Bigdata-Contest/ppt/날씨빅데이터콘테스트_공모안.pptx
+++ b/Weather-Bigdata-Contest/ppt/날씨빅데이터콘테스트_공모안.pptx
@@ -114,6 +114,14 @@
       </a:defRPr>
     </a:lvl9pPr>
   </p:defaultTextStyle>
+  <p:extLst>
+    <p:ext uri="{EFAFB233-063F-42B5-8137-9DF3F51BA10A}">
+      <p15:sldGuideLst xmlns:p15="http://schemas.microsoft.com/office/powerpoint/2012/main"/>
+    </p:ext>
+    <p:ext uri="{2D200454-40CA-4A62-9FC3-DE9A4176ACB9}">
+      <p15:notesGuideLst xmlns:p15="http://schemas.microsoft.com/office/powerpoint/2012/main"/>
+    </p:ext>
+  </p:extLst>
 </p:presentation>
 </file>
 
@@ -199,7 +207,7 @@
           <a:p>
             <a:fld id="{51BC3E4F-6F24-424F-96AF-80F2DF39B8B6}" type="datetimeFigureOut">
               <a:rPr lang="ko-KR" altLang="en-US" smtClean="0"/>
-              <a:t>2020-06-11</a:t>
+              <a:t>2020-06-15</a:t>
             </a:fld>
             <a:endParaRPr lang="ko-KR" altLang="en-US"/>
           </a:p>
@@ -705,7 +713,7 @@
           <a:p>
             <a:fld id="{68C7E134-557C-4CC0-8E21-D858F16F6701}" type="datetime1">
               <a:rPr lang="ko-KR" altLang="en-US" smtClean="0"/>
-              <a:t>2020-06-11</a:t>
+              <a:t>2020-06-15</a:t>
             </a:fld>
             <a:endParaRPr lang="ko-KR" altLang="en-US"/>
           </a:p>
@@ -903,7 +911,7 @@
           <a:p>
             <a:fld id="{C87EB0F4-DE92-4D7A-B497-336202CD53AA}" type="datetime1">
               <a:rPr lang="ko-KR" altLang="en-US" smtClean="0"/>
-              <a:t>2020-06-11</a:t>
+              <a:t>2020-06-15</a:t>
             </a:fld>
             <a:endParaRPr lang="ko-KR" altLang="en-US"/>
           </a:p>
@@ -1111,7 +1119,7 @@
           <a:p>
             <a:fld id="{CC5FA32E-9A86-4DB3-9D35-DC2BF6C6CF7F}" type="datetime1">
               <a:rPr lang="ko-KR" altLang="en-US" smtClean="0"/>
-              <a:t>2020-06-11</a:t>
+              <a:t>2020-06-15</a:t>
             </a:fld>
             <a:endParaRPr lang="ko-KR" altLang="en-US"/>
           </a:p>
@@ -1445,7 +1453,7 @@
           <a:p>
             <a:fld id="{B5A1834F-EA84-48C0-A8B4-B9C0439C0829}" type="datetime1">
               <a:rPr lang="ko-KR" altLang="en-US" smtClean="0"/>
-              <a:t>2020-06-11</a:t>
+              <a:t>2020-06-15</a:t>
             </a:fld>
             <a:endParaRPr lang="ko-KR" altLang="en-US"/>
           </a:p>
@@ -1834,7 +1842,7 @@
           <a:p>
             <a:fld id="{6C774AE9-3698-43C0-A487-3460B296B117}" type="datetime1">
               <a:rPr lang="ko-KR" altLang="en-US" smtClean="0"/>
-              <a:t>2020-06-11</a:t>
+              <a:t>2020-06-15</a:t>
             </a:fld>
             <a:endParaRPr lang="ko-KR" altLang="en-US"/>
           </a:p>
@@ -2099,7 +2107,7 @@
           <a:p>
             <a:fld id="{BF6981C2-3BAA-4334-85DD-C832B5874855}" type="datetime1">
               <a:rPr lang="ko-KR" altLang="en-US" smtClean="0"/>
-              <a:t>2020-06-11</a:t>
+              <a:t>2020-06-15</a:t>
             </a:fld>
             <a:endParaRPr lang="ko-KR" altLang="en-US"/>
           </a:p>
@@ -2511,7 +2519,7 @@
           <a:p>
             <a:fld id="{8C7D1119-E1F0-4F2E-A254-C349D4070000}" type="datetime1">
               <a:rPr lang="ko-KR" altLang="en-US" smtClean="0"/>
-              <a:t>2020-06-11</a:t>
+              <a:t>2020-06-15</a:t>
             </a:fld>
             <a:endParaRPr lang="ko-KR" altLang="en-US"/>
           </a:p>
@@ -2652,7 +2660,7 @@
           <a:p>
             <a:fld id="{4F4444A8-C9FB-4FA7-96B7-FA7C27489435}" type="datetime1">
               <a:rPr lang="ko-KR" altLang="en-US" smtClean="0"/>
-              <a:t>2020-06-11</a:t>
+              <a:t>2020-06-15</a:t>
             </a:fld>
             <a:endParaRPr lang="ko-KR" altLang="en-US"/>
           </a:p>
@@ -2765,7 +2773,7 @@
           <a:p>
             <a:fld id="{57D8832B-3967-4863-8795-FF5DE9EB5B04}" type="datetime1">
               <a:rPr lang="ko-KR" altLang="en-US" smtClean="0"/>
-              <a:t>2020-06-11</a:t>
+              <a:t>2020-06-15</a:t>
             </a:fld>
             <a:endParaRPr lang="ko-KR" altLang="en-US"/>
           </a:p>
@@ -3076,7 +3084,7 @@
           <a:p>
             <a:fld id="{D61F1F29-084C-4209-81E4-25742B2463EA}" type="datetime1">
               <a:rPr lang="ko-KR" altLang="en-US" smtClean="0"/>
-              <a:t>2020-06-11</a:t>
+              <a:t>2020-06-15</a:t>
             </a:fld>
             <a:endParaRPr lang="ko-KR" altLang="en-US"/>
           </a:p>
@@ -3364,7 +3372,7 @@
           <a:p>
             <a:fld id="{F414F155-D6F9-469F-9365-A7EF288942E1}" type="datetime1">
               <a:rPr lang="ko-KR" altLang="en-US" smtClean="0"/>
-              <a:t>2020-06-11</a:t>
+              <a:t>2020-06-15</a:t>
             </a:fld>
             <a:endParaRPr lang="ko-KR" altLang="en-US"/>
           </a:p>
@@ -3608,7 +3616,7 @@
           <a:p>
             <a:fld id="{4248740B-1637-46A7-BCDB-664CEBDFBA61}" type="datetime1">
               <a:rPr lang="ko-KR" altLang="en-US" smtClean="0"/>
-              <a:t>2020-06-11</a:t>
+              <a:t>2020-06-15</a:t>
             </a:fld>
             <a:endParaRPr lang="ko-KR" altLang="en-US"/>
           </a:p>
@@ -6297,7 +6305,7 @@
         </p:nvSpPr>
         <p:spPr>
           <a:xfrm>
-            <a:off x="838200" y="2152650"/>
+            <a:off x="6096000" y="1353372"/>
             <a:ext cx="5599922" cy="646331"/>
           </a:xfrm>
           <a:prstGeom prst="rect">
@@ -6417,6 +6425,485 @@
               <a:t>5</a:t>
             </a:fld>
             <a:endParaRPr lang="ko-KR" altLang="en-US" dirty="0"/>
+          </a:p>
+        </p:txBody>
+      </p:sp>
+      <p:sp>
+        <p:nvSpPr>
+          <p:cNvPr id="6" name="TextBox 5">
+            <a:extLst>
+              <a:ext uri="{FF2B5EF4-FFF2-40B4-BE49-F238E27FC236}">
+                <a16:creationId xmlns:a16="http://schemas.microsoft.com/office/drawing/2014/main" id="{501B18B5-214E-4ACA-BC0F-1D55E6E878FD}"/>
+              </a:ext>
+            </a:extLst>
+          </p:cNvPr>
+          <p:cNvSpPr txBox="1"/>
+          <p:nvPr/>
+        </p:nvSpPr>
+        <p:spPr>
+          <a:xfrm>
+            <a:off x="502921" y="3320356"/>
+            <a:ext cx="3929741" cy="1477328"/>
+          </a:xfrm>
+          <a:prstGeom prst="rect">
+            <a:avLst/>
+          </a:prstGeom>
+          <a:noFill/>
+        </p:spPr>
+        <p:txBody>
+          <a:bodyPr wrap="square" rtlCol="0">
+            <a:spAutoFit/>
+          </a:bodyPr>
+          <a:lstStyle/>
+          <a:p>
+            <a:r>
+              <a:rPr lang="ko-KR" altLang="en-US" dirty="0">
+                <a:latin typeface="KoPubWorld돋움체_Pro Medium" panose="00000600000000000000" pitchFamily="50" charset="-127"/>
+                <a:ea typeface="KoPubWorld돋움체_Pro Medium" panose="00000600000000000000" pitchFamily="50" charset="-127"/>
+                <a:cs typeface="KoPubWorld돋움체_Pro Medium" panose="00000600000000000000" pitchFamily="50" charset="-127"/>
+              </a:rPr>
+              <a:t>예측 향상을 위한 </a:t>
+            </a:r>
+            <a:r>
+              <a:rPr lang="en-US" altLang="ko-KR" dirty="0">
+                <a:latin typeface="KoPubWorld돋움체_Pro Medium" panose="00000600000000000000" pitchFamily="50" charset="-127"/>
+                <a:ea typeface="KoPubWorld돋움체_Pro Medium" panose="00000600000000000000" pitchFamily="50" charset="-127"/>
+                <a:cs typeface="KoPubWorld돋움체_Pro Medium" panose="00000600000000000000" pitchFamily="50" charset="-127"/>
+              </a:rPr>
+              <a:t>Feature Engineering</a:t>
+            </a:r>
+          </a:p>
+          <a:p>
+            <a:pPr marL="285750" indent="-285750">
+              <a:buFontTx/>
+              <a:buChar char="-"/>
+            </a:pPr>
+            <a:r>
+              <a:rPr lang="ko-KR" altLang="en-US" dirty="0" err="1">
+                <a:latin typeface="KoPubWorld돋움체_Pro Medium" panose="00000600000000000000" pitchFamily="50" charset="-127"/>
+                <a:ea typeface="KoPubWorld돋움체_Pro Medium" panose="00000600000000000000" pitchFamily="50" charset="-127"/>
+                <a:cs typeface="KoPubWorld돋움체_Pro Medium" panose="00000600000000000000" pitchFamily="50" charset="-127"/>
+              </a:rPr>
+              <a:t>왜도</a:t>
+            </a:r>
+            <a:r>
+              <a:rPr lang="ko-KR" altLang="en-US" dirty="0">
+                <a:latin typeface="KoPubWorld돋움체_Pro Medium" panose="00000600000000000000" pitchFamily="50" charset="-127"/>
+                <a:ea typeface="KoPubWorld돋움체_Pro Medium" panose="00000600000000000000" pitchFamily="50" charset="-127"/>
+                <a:cs typeface="KoPubWorld돋움체_Pro Medium" panose="00000600000000000000" pitchFamily="50" charset="-127"/>
+              </a:rPr>
+              <a:t> 심하게 나오는 것 </a:t>
+            </a:r>
+            <a:r>
+              <a:rPr lang="en-US" altLang="ko-KR" dirty="0">
+                <a:latin typeface="KoPubWorld돋움체_Pro Medium" panose="00000600000000000000" pitchFamily="50" charset="-127"/>
+                <a:ea typeface="KoPubWorld돋움체_Pro Medium" panose="00000600000000000000" pitchFamily="50" charset="-127"/>
+                <a:cs typeface="KoPubWorld돋움체_Pro Medium" panose="00000600000000000000" pitchFamily="50" charset="-127"/>
+              </a:rPr>
+              <a:t>log</a:t>
+            </a:r>
+          </a:p>
+          <a:p>
+            <a:pPr marL="285750" indent="-285750">
+              <a:buFontTx/>
+              <a:buChar char="-"/>
+            </a:pPr>
+            <a:r>
+              <a:rPr lang="ko-KR" altLang="en-US" dirty="0">
+                <a:latin typeface="KoPubWorld돋움체_Pro Medium" panose="00000600000000000000" pitchFamily="50" charset="-127"/>
+                <a:ea typeface="KoPubWorld돋움체_Pro Medium" panose="00000600000000000000" pitchFamily="50" charset="-127"/>
+                <a:cs typeface="KoPubWorld돋움체_Pro Medium" panose="00000600000000000000" pitchFamily="50" charset="-127"/>
+              </a:rPr>
+              <a:t>이상치 제거</a:t>
+            </a:r>
+            <a:endParaRPr lang="en-US" altLang="ko-KR" dirty="0">
+              <a:latin typeface="KoPubWorld돋움체_Pro Medium" panose="00000600000000000000" pitchFamily="50" charset="-127"/>
+              <a:ea typeface="KoPubWorld돋움체_Pro Medium" panose="00000600000000000000" pitchFamily="50" charset="-127"/>
+              <a:cs typeface="KoPubWorld돋움체_Pro Medium" panose="00000600000000000000" pitchFamily="50" charset="-127"/>
+            </a:endParaRPr>
+          </a:p>
+          <a:p>
+            <a:endParaRPr lang="en-US" altLang="ko-KR" dirty="0">
+              <a:latin typeface="KoPubWorld돋움체_Pro Medium" panose="00000600000000000000" pitchFamily="50" charset="-127"/>
+              <a:ea typeface="KoPubWorld돋움체_Pro Medium" panose="00000600000000000000" pitchFamily="50" charset="-127"/>
+              <a:cs typeface="KoPubWorld돋움체_Pro Medium" panose="00000600000000000000" pitchFamily="50" charset="-127"/>
+            </a:endParaRPr>
+          </a:p>
+          <a:p>
+            <a:pPr marL="285750" indent="-285750">
+              <a:buFontTx/>
+              <a:buChar char="-"/>
+            </a:pPr>
+            <a:endParaRPr lang="en-US" altLang="ko-KR" dirty="0">
+              <a:latin typeface="KoPubWorld돋움체_Pro Medium" panose="00000600000000000000" pitchFamily="50" charset="-127"/>
+              <a:ea typeface="KoPubWorld돋움체_Pro Medium" panose="00000600000000000000" pitchFamily="50" charset="-127"/>
+              <a:cs typeface="KoPubWorld돋움체_Pro Medium" panose="00000600000000000000" pitchFamily="50" charset="-127"/>
+            </a:endParaRPr>
+          </a:p>
+        </p:txBody>
+      </p:sp>
+      <p:sp>
+        <p:nvSpPr>
+          <p:cNvPr id="7" name="직사각형 6">
+            <a:extLst>
+              <a:ext uri="{FF2B5EF4-FFF2-40B4-BE49-F238E27FC236}">
+                <a16:creationId xmlns:a16="http://schemas.microsoft.com/office/drawing/2014/main" id="{B8B17EE4-9620-470C-B110-25D5D7C9A47B}"/>
+              </a:ext>
+            </a:extLst>
+          </p:cNvPr>
+          <p:cNvSpPr/>
+          <p:nvPr/>
+        </p:nvSpPr>
+        <p:spPr>
+          <a:xfrm>
+            <a:off x="208413" y="4858298"/>
+            <a:ext cx="12240339" cy="1754326"/>
+          </a:xfrm>
+          <a:prstGeom prst="rect">
+            <a:avLst/>
+          </a:prstGeom>
+        </p:spPr>
+        <p:txBody>
+          <a:bodyPr wrap="none">
+            <a:spAutoFit/>
+          </a:bodyPr>
+          <a:lstStyle/>
+          <a:p>
+            <a:r>
+              <a:rPr lang="en-US" altLang="ko-KR" dirty="0" err="1">
+                <a:latin typeface="KoPubWorld돋움체_Pro Medium" panose="00000600000000000000" pitchFamily="50" charset="-127"/>
+                <a:ea typeface="KoPubWorld돋움체_Pro Medium" panose="00000600000000000000" pitchFamily="50" charset="-127"/>
+                <a:cs typeface="KoPubWorld돋움체_Pro Medium" panose="00000600000000000000" pitchFamily="50" charset="-127"/>
+              </a:rPr>
+              <a:t>LightGBM</a:t>
+            </a:r>
+            <a:r>
+              <a:rPr lang="en-US" altLang="ko-KR" dirty="0">
+                <a:latin typeface="KoPubWorld돋움체_Pro Medium" panose="00000600000000000000" pitchFamily="50" charset="-127"/>
+                <a:ea typeface="KoPubWorld돋움체_Pro Medium" panose="00000600000000000000" pitchFamily="50" charset="-127"/>
+                <a:cs typeface="KoPubWorld돋움체_Pro Medium" panose="00000600000000000000" pitchFamily="50" charset="-127"/>
+              </a:rPr>
+              <a:t>: </a:t>
+            </a:r>
+            <a:r>
+              <a:rPr lang="ko-KR" altLang="en-US" dirty="0">
+                <a:latin typeface="KoPubWorld돋움체_Pro Medium" panose="00000600000000000000" pitchFamily="50" charset="-127"/>
+                <a:ea typeface="KoPubWorld돋움체_Pro Medium" panose="00000600000000000000" pitchFamily="50" charset="-127"/>
+                <a:cs typeface="KoPubWorld돋움체_Pro Medium" panose="00000600000000000000" pitchFamily="50" charset="-127"/>
+              </a:rPr>
+              <a:t>재현율이 중요함</a:t>
+            </a:r>
+            <a:r>
+              <a:rPr lang="en-US" altLang="ko-KR" dirty="0">
+                <a:latin typeface="KoPubWorld돋움체_Pro Medium" panose="00000600000000000000" pitchFamily="50" charset="-127"/>
+                <a:ea typeface="KoPubWorld돋움체_Pro Medium" panose="00000600000000000000" pitchFamily="50" charset="-127"/>
+                <a:cs typeface="KoPubWorld돋움체_Pro Medium" panose="00000600000000000000" pitchFamily="50" charset="-127"/>
+              </a:rPr>
+              <a:t>.</a:t>
+            </a:r>
+          </a:p>
+          <a:p>
+            <a:r>
+              <a:rPr lang="ko-KR" altLang="en-US" dirty="0">
+                <a:latin typeface="KoPubWorld돋움체_Pro Medium" panose="00000600000000000000" pitchFamily="50" charset="-127"/>
+                <a:ea typeface="KoPubWorld돋움체_Pro Medium" panose="00000600000000000000" pitchFamily="50" charset="-127"/>
+                <a:cs typeface="KoPubWorld돋움체_Pro Medium" panose="00000600000000000000" pitchFamily="50" charset="-127"/>
+              </a:rPr>
+              <a:t>** </a:t>
+            </a:r>
+            <a:r>
+              <a:rPr lang="en-US" altLang="ko-KR" dirty="0" err="1">
+                <a:latin typeface="KoPubWorld돋움체_Pro Medium" panose="00000600000000000000" pitchFamily="50" charset="-127"/>
+                <a:ea typeface="KoPubWorld돋움체_Pro Medium" panose="00000600000000000000" pitchFamily="50" charset="-127"/>
+                <a:cs typeface="KoPubWorld돋움체_Pro Medium" panose="00000600000000000000" pitchFamily="50" charset="-127"/>
+              </a:rPr>
+              <a:t>LightGBM</a:t>
+            </a:r>
+            <a:r>
+              <a:rPr lang="en-US" altLang="ko-KR" dirty="0">
+                <a:latin typeface="KoPubWorld돋움체_Pro Medium" panose="00000600000000000000" pitchFamily="50" charset="-127"/>
+                <a:ea typeface="KoPubWorld돋움체_Pro Medium" panose="00000600000000000000" pitchFamily="50" charset="-127"/>
+                <a:cs typeface="KoPubWorld돋움체_Pro Medium" panose="00000600000000000000" pitchFamily="50" charset="-127"/>
+              </a:rPr>
+              <a:t> </a:t>
+            </a:r>
+            <a:r>
+              <a:rPr lang="ko-KR" altLang="en-US" dirty="0">
+                <a:latin typeface="KoPubWorld돋움체_Pro Medium" panose="00000600000000000000" pitchFamily="50" charset="-127"/>
+                <a:ea typeface="KoPubWorld돋움체_Pro Medium" panose="00000600000000000000" pitchFamily="50" charset="-127"/>
+                <a:cs typeface="KoPubWorld돋움체_Pro Medium" panose="00000600000000000000" pitchFamily="50" charset="-127"/>
+              </a:rPr>
+              <a:t>학습</a:t>
+            </a:r>
+            <a:r>
+              <a:rPr lang="en-US" altLang="ko-KR" dirty="0">
+                <a:latin typeface="KoPubWorld돋움체_Pro Medium" panose="00000600000000000000" pitchFamily="50" charset="-127"/>
+                <a:ea typeface="KoPubWorld돋움체_Pro Medium" panose="00000600000000000000" pitchFamily="50" charset="-127"/>
+                <a:cs typeface="KoPubWorld돋움체_Pro Medium" panose="00000600000000000000" pitchFamily="50" charset="-127"/>
+              </a:rPr>
+              <a:t>/</a:t>
+            </a:r>
+            <a:r>
+              <a:rPr lang="ko-KR" altLang="en-US" dirty="0">
+                <a:latin typeface="KoPubWorld돋움체_Pro Medium" panose="00000600000000000000" pitchFamily="50" charset="-127"/>
+                <a:ea typeface="KoPubWorld돋움체_Pro Medium" panose="00000600000000000000" pitchFamily="50" charset="-127"/>
+                <a:cs typeface="KoPubWorld돋움체_Pro Medium" panose="00000600000000000000" pitchFamily="50" charset="-127"/>
+              </a:rPr>
+              <a:t>예측</a:t>
+            </a:r>
+            <a:r>
+              <a:rPr lang="en-US" altLang="ko-KR" dirty="0">
+                <a:latin typeface="KoPubWorld돋움체_Pro Medium" panose="00000600000000000000" pitchFamily="50" charset="-127"/>
+                <a:ea typeface="KoPubWorld돋움체_Pro Medium" panose="00000600000000000000" pitchFamily="50" charset="-127"/>
+                <a:cs typeface="KoPubWorld돋움체_Pro Medium" panose="00000600000000000000" pitchFamily="50" charset="-127"/>
+              </a:rPr>
+              <a:t>/</a:t>
+            </a:r>
+            <a:r>
+              <a:rPr lang="ko-KR" altLang="en-US" dirty="0">
+                <a:latin typeface="KoPubWorld돋움체_Pro Medium" panose="00000600000000000000" pitchFamily="50" charset="-127"/>
+                <a:ea typeface="KoPubWorld돋움체_Pro Medium" panose="00000600000000000000" pitchFamily="50" charset="-127"/>
+                <a:cs typeface="KoPubWorld돋움체_Pro Medium" panose="00000600000000000000" pitchFamily="50" charset="-127"/>
+              </a:rPr>
+              <a:t>평가</a:t>
+            </a:r>
+            <a:r>
+              <a:rPr lang="en-US" altLang="ko-KR" dirty="0">
+                <a:latin typeface="KoPubWorld돋움체_Pro Medium" panose="00000600000000000000" pitchFamily="50" charset="-127"/>
+                <a:ea typeface="KoPubWorld돋움체_Pro Medium" panose="00000600000000000000" pitchFamily="50" charset="-127"/>
+                <a:cs typeface="KoPubWorld돋움체_Pro Medium" panose="00000600000000000000" pitchFamily="50" charset="-127"/>
+              </a:rPr>
+              <a:t>.**</a:t>
+            </a:r>
+          </a:p>
+          <a:p>
+            <a:endParaRPr lang="en-US" altLang="ko-KR" dirty="0">
+              <a:latin typeface="KoPubWorld돋움체_Pro Medium" panose="00000600000000000000" pitchFamily="50" charset="-127"/>
+              <a:ea typeface="KoPubWorld돋움체_Pro Medium" panose="00000600000000000000" pitchFamily="50" charset="-127"/>
+              <a:cs typeface="KoPubWorld돋움체_Pro Medium" panose="00000600000000000000" pitchFamily="50" charset="-127"/>
+            </a:endParaRPr>
+          </a:p>
+          <a:p>
+            <a:r>
+              <a:rPr lang="en-US" altLang="ko-KR" dirty="0">
+                <a:latin typeface="KoPubWorld돋움체_Pro Medium" panose="00000600000000000000" pitchFamily="50" charset="-127"/>
+                <a:ea typeface="KoPubWorld돋움체_Pro Medium" panose="00000600000000000000" pitchFamily="50" charset="-127"/>
+                <a:cs typeface="KoPubWorld돋움체_Pro Medium" panose="00000600000000000000" pitchFamily="50" charset="-127"/>
+              </a:rPr>
+              <a:t>(</a:t>
+            </a:r>
+            <a:r>
+              <a:rPr lang="en-US" altLang="ko-KR" dirty="0" err="1">
+                <a:latin typeface="KoPubWorld돋움체_Pro Medium" panose="00000600000000000000" pitchFamily="50" charset="-127"/>
+                <a:ea typeface="KoPubWorld돋움체_Pro Medium" panose="00000600000000000000" pitchFamily="50" charset="-127"/>
+                <a:cs typeface="KoPubWorld돋움체_Pro Medium" panose="00000600000000000000" pitchFamily="50" charset="-127"/>
+              </a:rPr>
+              <a:t>boost_from_average</a:t>
+            </a:r>
+            <a:r>
+              <a:rPr lang="ko-KR" altLang="en-US" dirty="0">
+                <a:latin typeface="KoPubWorld돋움체_Pro Medium" panose="00000600000000000000" pitchFamily="50" charset="-127"/>
+                <a:ea typeface="KoPubWorld돋움체_Pro Medium" panose="00000600000000000000" pitchFamily="50" charset="-127"/>
+                <a:cs typeface="KoPubWorld돋움체_Pro Medium" panose="00000600000000000000" pitchFamily="50" charset="-127"/>
+              </a:rPr>
+              <a:t>가 </a:t>
+            </a:r>
+            <a:r>
+              <a:rPr lang="en-US" altLang="ko-KR" dirty="0">
+                <a:latin typeface="KoPubWorld돋움체_Pro Medium" panose="00000600000000000000" pitchFamily="50" charset="-127"/>
+                <a:ea typeface="KoPubWorld돋움체_Pro Medium" panose="00000600000000000000" pitchFamily="50" charset="-127"/>
+                <a:cs typeface="KoPubWorld돋움체_Pro Medium" panose="00000600000000000000" pitchFamily="50" charset="-127"/>
+              </a:rPr>
+              <a:t>True</a:t>
+            </a:r>
+            <a:r>
+              <a:rPr lang="ko-KR" altLang="en-US" dirty="0">
+                <a:latin typeface="KoPubWorld돋움체_Pro Medium" panose="00000600000000000000" pitchFamily="50" charset="-127"/>
+                <a:ea typeface="KoPubWorld돋움체_Pro Medium" panose="00000600000000000000" pitchFamily="50" charset="-127"/>
+                <a:cs typeface="KoPubWorld돋움체_Pro Medium" panose="00000600000000000000" pitchFamily="50" charset="-127"/>
+              </a:rPr>
+              <a:t>일 경우 레이블 값이 극도로 불균형 분포를 이루는 경우 </a:t>
+            </a:r>
+            <a:r>
+              <a:rPr lang="ko-KR" altLang="en-US" dirty="0" err="1">
+                <a:latin typeface="KoPubWorld돋움체_Pro Medium" panose="00000600000000000000" pitchFamily="50" charset="-127"/>
+                <a:ea typeface="KoPubWorld돋움체_Pro Medium" panose="00000600000000000000" pitchFamily="50" charset="-127"/>
+                <a:cs typeface="KoPubWorld돋움체_Pro Medium" panose="00000600000000000000" pitchFamily="50" charset="-127"/>
+              </a:rPr>
+              <a:t>재현률</a:t>
+            </a:r>
+            <a:r>
+              <a:rPr lang="ko-KR" altLang="en-US" dirty="0">
+                <a:latin typeface="KoPubWorld돋움체_Pro Medium" panose="00000600000000000000" pitchFamily="50" charset="-127"/>
+                <a:ea typeface="KoPubWorld돋움체_Pro Medium" panose="00000600000000000000" pitchFamily="50" charset="-127"/>
+                <a:cs typeface="KoPubWorld돋움체_Pro Medium" panose="00000600000000000000" pitchFamily="50" charset="-127"/>
+              </a:rPr>
+              <a:t> 및 </a:t>
+            </a:r>
+            <a:r>
+              <a:rPr lang="en-US" altLang="ko-KR" dirty="0">
+                <a:latin typeface="KoPubWorld돋움체_Pro Medium" panose="00000600000000000000" pitchFamily="50" charset="-127"/>
+                <a:ea typeface="KoPubWorld돋움체_Pro Medium" panose="00000600000000000000" pitchFamily="50" charset="-127"/>
+                <a:cs typeface="KoPubWorld돋움체_Pro Medium" panose="00000600000000000000" pitchFamily="50" charset="-127"/>
+              </a:rPr>
+              <a:t>ROC-AUC </a:t>
+            </a:r>
+            <a:r>
+              <a:rPr lang="ko-KR" altLang="en-US" dirty="0">
+                <a:latin typeface="KoPubWorld돋움체_Pro Medium" panose="00000600000000000000" pitchFamily="50" charset="-127"/>
+                <a:ea typeface="KoPubWorld돋움체_Pro Medium" panose="00000600000000000000" pitchFamily="50" charset="-127"/>
+                <a:cs typeface="KoPubWorld돋움체_Pro Medium" panose="00000600000000000000" pitchFamily="50" charset="-127"/>
+              </a:rPr>
+              <a:t>성능이 매우 저하됨</a:t>
+            </a:r>
+            <a:r>
+              <a:rPr lang="en-US" altLang="ko-KR" dirty="0">
+                <a:latin typeface="KoPubWorld돋움체_Pro Medium" panose="00000600000000000000" pitchFamily="50" charset="-127"/>
+                <a:ea typeface="KoPubWorld돋움체_Pro Medium" panose="00000600000000000000" pitchFamily="50" charset="-127"/>
+                <a:cs typeface="KoPubWorld돋움체_Pro Medium" panose="00000600000000000000" pitchFamily="50" charset="-127"/>
+              </a:rPr>
+              <a:t>.)  </a:t>
+            </a:r>
+          </a:p>
+          <a:p>
+            <a:r>
+              <a:rPr lang="en-US" altLang="ko-KR" dirty="0">
+                <a:latin typeface="KoPubWorld돋움체_Pro Medium" panose="00000600000000000000" pitchFamily="50" charset="-127"/>
+                <a:ea typeface="KoPubWorld돋움체_Pro Medium" panose="00000600000000000000" pitchFamily="50" charset="-127"/>
+                <a:cs typeface="KoPubWorld돋움체_Pro Medium" panose="00000600000000000000" pitchFamily="50" charset="-127"/>
+              </a:rPr>
+              <a:t>   </a:t>
+            </a:r>
+            <a:r>
+              <a:rPr lang="en-US" altLang="ko-KR" dirty="0" err="1">
+                <a:latin typeface="KoPubWorld돋움체_Pro Medium" panose="00000600000000000000" pitchFamily="50" charset="-127"/>
+                <a:ea typeface="KoPubWorld돋움체_Pro Medium" panose="00000600000000000000" pitchFamily="50" charset="-127"/>
+                <a:cs typeface="KoPubWorld돋움체_Pro Medium" panose="00000600000000000000" pitchFamily="50" charset="-127"/>
+              </a:rPr>
+              <a:t>LightGBM</a:t>
+            </a:r>
+            <a:r>
+              <a:rPr lang="en-US" altLang="ko-KR" dirty="0">
+                <a:latin typeface="KoPubWorld돋움체_Pro Medium" panose="00000600000000000000" pitchFamily="50" charset="-127"/>
+                <a:ea typeface="KoPubWorld돋움체_Pro Medium" panose="00000600000000000000" pitchFamily="50" charset="-127"/>
+                <a:cs typeface="KoPubWorld돋움체_Pro Medium" panose="00000600000000000000" pitchFamily="50" charset="-127"/>
+              </a:rPr>
+              <a:t> 2.1.0 </a:t>
+            </a:r>
+            <a:r>
+              <a:rPr lang="ko-KR" altLang="en-US" dirty="0">
+                <a:latin typeface="KoPubWorld돋움체_Pro Medium" panose="00000600000000000000" pitchFamily="50" charset="-127"/>
+                <a:ea typeface="KoPubWorld돋움체_Pro Medium" panose="00000600000000000000" pitchFamily="50" charset="-127"/>
+                <a:cs typeface="KoPubWorld돋움체_Pro Medium" panose="00000600000000000000" pitchFamily="50" charset="-127"/>
+              </a:rPr>
+              <a:t>이상 버전에서 이와 같은 현상 발생 </a:t>
+            </a:r>
+            <a:r>
+              <a:rPr lang="en-US" altLang="ko-KR" dirty="0">
+                <a:latin typeface="KoPubWorld돋움체_Pro Medium" panose="00000600000000000000" pitchFamily="50" charset="-127"/>
+                <a:ea typeface="KoPubWorld돋움체_Pro Medium" panose="00000600000000000000" pitchFamily="50" charset="-127"/>
+                <a:cs typeface="KoPubWorld돋움체_Pro Medium" panose="00000600000000000000" pitchFamily="50" charset="-127"/>
+              </a:rPr>
+              <a:t> </a:t>
+            </a:r>
+          </a:p>
+          <a:p>
+            <a:r>
+              <a:rPr lang="en-US" altLang="ko-KR" dirty="0">
+                <a:latin typeface="KoPubWorld돋움체_Pro Medium" panose="00000600000000000000" pitchFamily="50" charset="-127"/>
+                <a:ea typeface="KoPubWorld돋움체_Pro Medium" panose="00000600000000000000" pitchFamily="50" charset="-127"/>
+                <a:cs typeface="KoPubWorld돋움체_Pro Medium" panose="00000600000000000000" pitchFamily="50" charset="-127"/>
+              </a:rPr>
+              <a:t>Ex.</a:t>
+            </a:r>
+            <a:r>
+              <a:rPr lang="ko-KR" altLang="en-US" dirty="0">
+                <a:latin typeface="KoPubWorld돋움체_Pro Medium" panose="00000600000000000000" pitchFamily="50" charset="-127"/>
+                <a:ea typeface="KoPubWorld돋움체_Pro Medium" panose="00000600000000000000" pitchFamily="50" charset="-127"/>
+                <a:cs typeface="KoPubWorld돋움체_Pro Medium" panose="00000600000000000000" pitchFamily="50" charset="-127"/>
+              </a:rPr>
+              <a:t> </a:t>
+            </a:r>
+            <a:r>
+              <a:rPr lang="en-US" altLang="ko-KR" dirty="0" err="1">
+                <a:latin typeface="KoPubWorld돋움체_Pro Medium" panose="00000600000000000000" pitchFamily="50" charset="-127"/>
+                <a:ea typeface="KoPubWorld돋움체_Pro Medium" panose="00000600000000000000" pitchFamily="50" charset="-127"/>
+                <a:cs typeface="KoPubWorld돋움체_Pro Medium" panose="00000600000000000000" pitchFamily="50" charset="-127"/>
+              </a:rPr>
+              <a:t>LGBMClassifier</a:t>
+            </a:r>
+            <a:r>
+              <a:rPr lang="en-US" altLang="ko-KR" dirty="0">
+                <a:latin typeface="KoPubWorld돋움체_Pro Medium" panose="00000600000000000000" pitchFamily="50" charset="-127"/>
+                <a:ea typeface="KoPubWorld돋움체_Pro Medium" panose="00000600000000000000" pitchFamily="50" charset="-127"/>
+                <a:cs typeface="KoPubWorld돋움체_Pro Medium" panose="00000600000000000000" pitchFamily="50" charset="-127"/>
+              </a:rPr>
+              <a:t>(</a:t>
+            </a:r>
+            <a:r>
+              <a:rPr lang="en-US" altLang="ko-KR" dirty="0" err="1">
+                <a:latin typeface="KoPubWorld돋움체_Pro Medium" panose="00000600000000000000" pitchFamily="50" charset="-127"/>
+                <a:ea typeface="KoPubWorld돋움체_Pro Medium" panose="00000600000000000000" pitchFamily="50" charset="-127"/>
+                <a:cs typeface="KoPubWorld돋움체_Pro Medium" panose="00000600000000000000" pitchFamily="50" charset="-127"/>
+              </a:rPr>
+              <a:t>n_estimators</a:t>
+            </a:r>
+            <a:r>
+              <a:rPr lang="en-US" altLang="ko-KR" dirty="0">
+                <a:latin typeface="KoPubWorld돋움체_Pro Medium" panose="00000600000000000000" pitchFamily="50" charset="-127"/>
+                <a:ea typeface="KoPubWorld돋움체_Pro Medium" panose="00000600000000000000" pitchFamily="50" charset="-127"/>
+                <a:cs typeface="KoPubWorld돋움체_Pro Medium" panose="00000600000000000000" pitchFamily="50" charset="-127"/>
+              </a:rPr>
+              <a:t>=1000, </a:t>
+            </a:r>
+            <a:r>
+              <a:rPr lang="en-US" altLang="ko-KR" dirty="0" err="1">
+                <a:latin typeface="KoPubWorld돋움체_Pro Medium" panose="00000600000000000000" pitchFamily="50" charset="-127"/>
+                <a:ea typeface="KoPubWorld돋움체_Pro Medium" panose="00000600000000000000" pitchFamily="50" charset="-127"/>
+                <a:cs typeface="KoPubWorld돋움체_Pro Medium" panose="00000600000000000000" pitchFamily="50" charset="-127"/>
+              </a:rPr>
+              <a:t>num_leaves</a:t>
+            </a:r>
+            <a:r>
+              <a:rPr lang="en-US" altLang="ko-KR" dirty="0">
+                <a:latin typeface="KoPubWorld돋움체_Pro Medium" panose="00000600000000000000" pitchFamily="50" charset="-127"/>
+                <a:ea typeface="KoPubWorld돋움체_Pro Medium" panose="00000600000000000000" pitchFamily="50" charset="-127"/>
+                <a:cs typeface="KoPubWorld돋움체_Pro Medium" panose="00000600000000000000" pitchFamily="50" charset="-127"/>
+              </a:rPr>
+              <a:t>=64, </a:t>
+            </a:r>
+            <a:r>
+              <a:rPr lang="en-US" altLang="ko-KR" dirty="0" err="1">
+                <a:latin typeface="KoPubWorld돋움체_Pro Medium" panose="00000600000000000000" pitchFamily="50" charset="-127"/>
+                <a:ea typeface="KoPubWorld돋움체_Pro Medium" panose="00000600000000000000" pitchFamily="50" charset="-127"/>
+                <a:cs typeface="KoPubWorld돋움체_Pro Medium" panose="00000600000000000000" pitchFamily="50" charset="-127"/>
+              </a:rPr>
+              <a:t>n_jobs</a:t>
+            </a:r>
+            <a:r>
+              <a:rPr lang="en-US" altLang="ko-KR" dirty="0">
+                <a:latin typeface="KoPubWorld돋움체_Pro Medium" panose="00000600000000000000" pitchFamily="50" charset="-127"/>
+                <a:ea typeface="KoPubWorld돋움체_Pro Medium" panose="00000600000000000000" pitchFamily="50" charset="-127"/>
+                <a:cs typeface="KoPubWorld돋움체_Pro Medium" panose="00000600000000000000" pitchFamily="50" charset="-127"/>
+              </a:rPr>
+              <a:t>=-1, </a:t>
+            </a:r>
+            <a:r>
+              <a:rPr lang="en-US" altLang="ko-KR" dirty="0" err="1">
+                <a:latin typeface="KoPubWorld돋움체_Pro Medium" panose="00000600000000000000" pitchFamily="50" charset="-127"/>
+                <a:ea typeface="KoPubWorld돋움체_Pro Medium" panose="00000600000000000000" pitchFamily="50" charset="-127"/>
+                <a:cs typeface="KoPubWorld돋움체_Pro Medium" panose="00000600000000000000" pitchFamily="50" charset="-127"/>
+              </a:rPr>
+              <a:t>boost_from_average</a:t>
+            </a:r>
+            <a:r>
+              <a:rPr lang="en-US" altLang="ko-KR" dirty="0">
+                <a:latin typeface="KoPubWorld돋움체_Pro Medium" panose="00000600000000000000" pitchFamily="50" charset="-127"/>
+                <a:ea typeface="KoPubWorld돋움체_Pro Medium" panose="00000600000000000000" pitchFamily="50" charset="-127"/>
+                <a:cs typeface="KoPubWorld돋움체_Pro Medium" panose="00000600000000000000" pitchFamily="50" charset="-127"/>
+              </a:rPr>
+              <a:t>=False)</a:t>
+            </a:r>
           </a:p>
         </p:txBody>
       </p:sp>

--- a/Weather-Bigdata-Contest/ppt/날씨빅데이터콘테스트_공모안.pptx
+++ b/Weather-Bigdata-Contest/ppt/날씨빅데이터콘테스트_공모안.pptx
@@ -207,7 +207,7 @@
           <a:p>
             <a:fld id="{51BC3E4F-6F24-424F-96AF-80F2DF39B8B6}" type="datetimeFigureOut">
               <a:rPr lang="ko-KR" altLang="en-US" smtClean="0"/>
-              <a:t>2020-06-15</a:t>
+              <a:t>2020-06-19</a:t>
             </a:fld>
             <a:endParaRPr lang="ko-KR" altLang="en-US"/>
           </a:p>
@@ -713,7 +713,7 @@
           <a:p>
             <a:fld id="{68C7E134-557C-4CC0-8E21-D858F16F6701}" type="datetime1">
               <a:rPr lang="ko-KR" altLang="en-US" smtClean="0"/>
-              <a:t>2020-06-15</a:t>
+              <a:t>2020-06-19</a:t>
             </a:fld>
             <a:endParaRPr lang="ko-KR" altLang="en-US"/>
           </a:p>
@@ -911,7 +911,7 @@
           <a:p>
             <a:fld id="{C87EB0F4-DE92-4D7A-B497-336202CD53AA}" type="datetime1">
               <a:rPr lang="ko-KR" altLang="en-US" smtClean="0"/>
-              <a:t>2020-06-15</a:t>
+              <a:t>2020-06-19</a:t>
             </a:fld>
             <a:endParaRPr lang="ko-KR" altLang="en-US"/>
           </a:p>
@@ -1119,7 +1119,7 @@
           <a:p>
             <a:fld id="{CC5FA32E-9A86-4DB3-9D35-DC2BF6C6CF7F}" type="datetime1">
               <a:rPr lang="ko-KR" altLang="en-US" smtClean="0"/>
-              <a:t>2020-06-15</a:t>
+              <a:t>2020-06-19</a:t>
             </a:fld>
             <a:endParaRPr lang="ko-KR" altLang="en-US"/>
           </a:p>
@@ -1453,7 +1453,7 @@
           <a:p>
             <a:fld id="{B5A1834F-EA84-48C0-A8B4-B9C0439C0829}" type="datetime1">
               <a:rPr lang="ko-KR" altLang="en-US" smtClean="0"/>
-              <a:t>2020-06-15</a:t>
+              <a:t>2020-06-19</a:t>
             </a:fld>
             <a:endParaRPr lang="ko-KR" altLang="en-US"/>
           </a:p>
@@ -1842,7 +1842,7 @@
           <a:p>
             <a:fld id="{6C774AE9-3698-43C0-A487-3460B296B117}" type="datetime1">
               <a:rPr lang="ko-KR" altLang="en-US" smtClean="0"/>
-              <a:t>2020-06-15</a:t>
+              <a:t>2020-06-19</a:t>
             </a:fld>
             <a:endParaRPr lang="ko-KR" altLang="en-US"/>
           </a:p>
@@ -2107,7 +2107,7 @@
           <a:p>
             <a:fld id="{BF6981C2-3BAA-4334-85DD-C832B5874855}" type="datetime1">
               <a:rPr lang="ko-KR" altLang="en-US" smtClean="0"/>
-              <a:t>2020-06-15</a:t>
+              <a:t>2020-06-19</a:t>
             </a:fld>
             <a:endParaRPr lang="ko-KR" altLang="en-US"/>
           </a:p>
@@ -2519,7 +2519,7 @@
           <a:p>
             <a:fld id="{8C7D1119-E1F0-4F2E-A254-C349D4070000}" type="datetime1">
               <a:rPr lang="ko-KR" altLang="en-US" smtClean="0"/>
-              <a:t>2020-06-15</a:t>
+              <a:t>2020-06-19</a:t>
             </a:fld>
             <a:endParaRPr lang="ko-KR" altLang="en-US"/>
           </a:p>
@@ -2660,7 +2660,7 @@
           <a:p>
             <a:fld id="{4F4444A8-C9FB-4FA7-96B7-FA7C27489435}" type="datetime1">
               <a:rPr lang="ko-KR" altLang="en-US" smtClean="0"/>
-              <a:t>2020-06-15</a:t>
+              <a:t>2020-06-19</a:t>
             </a:fld>
             <a:endParaRPr lang="ko-KR" altLang="en-US"/>
           </a:p>
@@ -2773,7 +2773,7 @@
           <a:p>
             <a:fld id="{57D8832B-3967-4863-8795-FF5DE9EB5B04}" type="datetime1">
               <a:rPr lang="ko-KR" altLang="en-US" smtClean="0"/>
-              <a:t>2020-06-15</a:t>
+              <a:t>2020-06-19</a:t>
             </a:fld>
             <a:endParaRPr lang="ko-KR" altLang="en-US"/>
           </a:p>
@@ -3084,7 +3084,7 @@
           <a:p>
             <a:fld id="{D61F1F29-084C-4209-81E4-25742B2463EA}" type="datetime1">
               <a:rPr lang="ko-KR" altLang="en-US" smtClean="0"/>
-              <a:t>2020-06-15</a:t>
+              <a:t>2020-06-19</a:t>
             </a:fld>
             <a:endParaRPr lang="ko-KR" altLang="en-US"/>
           </a:p>
@@ -3372,7 +3372,7 @@
           <a:p>
             <a:fld id="{F414F155-D6F9-469F-9365-A7EF288942E1}" type="datetime1">
               <a:rPr lang="ko-KR" altLang="en-US" smtClean="0"/>
-              <a:t>2020-06-15</a:t>
+              <a:t>2020-06-19</a:t>
             </a:fld>
             <a:endParaRPr lang="ko-KR" altLang="en-US"/>
           </a:p>
@@ -3616,7 +3616,7 @@
           <a:p>
             <a:fld id="{4248740B-1637-46A7-BCDB-664CEBDFBA61}" type="datetime1">
               <a:rPr lang="ko-KR" altLang="en-US" smtClean="0"/>
-              <a:t>2020-06-15</a:t>
+              <a:t>2020-06-19</a:t>
             </a:fld>
             <a:endParaRPr lang="ko-KR" altLang="en-US"/>
           </a:p>
@@ -6907,6 +6907,100 @@
           </a:p>
         </p:txBody>
       </p:sp>
+      <p:sp>
+        <p:nvSpPr>
+          <p:cNvPr id="8" name="TextBox 7">
+            <a:extLst>
+              <a:ext uri="{FF2B5EF4-FFF2-40B4-BE49-F238E27FC236}">
+                <a16:creationId xmlns:a16="http://schemas.microsoft.com/office/drawing/2014/main" id="{0D2E1D50-BC4A-4E3A-BB1A-17637CDFDFB8}"/>
+              </a:ext>
+            </a:extLst>
+          </p:cNvPr>
+          <p:cNvSpPr txBox="1"/>
+          <p:nvPr/>
+        </p:nvSpPr>
+        <p:spPr>
+          <a:xfrm>
+            <a:off x="385356" y="1812721"/>
+            <a:ext cx="3929741" cy="1200329"/>
+          </a:xfrm>
+          <a:prstGeom prst="rect">
+            <a:avLst/>
+          </a:prstGeom>
+          <a:noFill/>
+        </p:spPr>
+        <p:txBody>
+          <a:bodyPr wrap="square" rtlCol="0">
+            <a:spAutoFit/>
+          </a:bodyPr>
+          <a:lstStyle/>
+          <a:p>
+            <a:r>
+              <a:rPr lang="en-US" altLang="ko-KR" dirty="0">
+                <a:latin typeface="KoPubWorld돋움체_Pro Medium" panose="00000600000000000000" pitchFamily="50" charset="-127"/>
+                <a:ea typeface="KoPubWorld돋움체_Pro Medium" panose="00000600000000000000" pitchFamily="50" charset="-127"/>
+                <a:cs typeface="KoPubWorld돋움체_Pro Medium" panose="00000600000000000000" pitchFamily="50" charset="-127"/>
+              </a:rPr>
+              <a:t>ASOS 2018</a:t>
+            </a:r>
+            <a:r>
+              <a:rPr lang="ko-KR" altLang="en-US" dirty="0">
+                <a:latin typeface="KoPubWorld돋움체_Pro Medium" panose="00000600000000000000" pitchFamily="50" charset="-127"/>
+                <a:ea typeface="KoPubWorld돋움체_Pro Medium" panose="00000600000000000000" pitchFamily="50" charset="-127"/>
+                <a:cs typeface="KoPubWorld돋움체_Pro Medium" panose="00000600000000000000" pitchFamily="50" charset="-127"/>
+              </a:rPr>
+              <a:t>년 </a:t>
+            </a:r>
+            <a:r>
+              <a:rPr lang="en-US" altLang="ko-KR" dirty="0">
+                <a:latin typeface="KoPubWorld돋움체_Pro Medium" panose="00000600000000000000" pitchFamily="50" charset="-127"/>
+                <a:ea typeface="KoPubWorld돋움체_Pro Medium" panose="00000600000000000000" pitchFamily="50" charset="-127"/>
+                <a:cs typeface="KoPubWorld돋움체_Pro Medium" panose="00000600000000000000" pitchFamily="50" charset="-127"/>
+              </a:rPr>
+              <a:t>1</a:t>
+            </a:r>
+            <a:r>
+              <a:rPr lang="ko-KR" altLang="en-US" dirty="0">
+                <a:latin typeface="KoPubWorld돋움체_Pro Medium" panose="00000600000000000000" pitchFamily="50" charset="-127"/>
+                <a:ea typeface="KoPubWorld돋움체_Pro Medium" panose="00000600000000000000" pitchFamily="50" charset="-127"/>
+                <a:cs typeface="KoPubWorld돋움체_Pro Medium" panose="00000600000000000000" pitchFamily="50" charset="-127"/>
+              </a:rPr>
+              <a:t>월 데이터는 시간 </a:t>
+            </a:r>
+            <a:r>
+              <a:rPr lang="ko-KR" altLang="en-US">
+                <a:latin typeface="KoPubWorld돋움체_Pro Medium" panose="00000600000000000000" pitchFamily="50" charset="-127"/>
+                <a:ea typeface="KoPubWorld돋움체_Pro Medium" panose="00000600000000000000" pitchFamily="50" charset="-127"/>
+                <a:cs typeface="KoPubWorld돋움체_Pro Medium" panose="00000600000000000000" pitchFamily="50" charset="-127"/>
+              </a:rPr>
+              <a:t>데이터로 대체</a:t>
+            </a:r>
+            <a:endParaRPr lang="en-US" altLang="ko-KR" dirty="0">
+              <a:latin typeface="KoPubWorld돋움체_Pro Medium" panose="00000600000000000000" pitchFamily="50" charset="-127"/>
+              <a:ea typeface="KoPubWorld돋움체_Pro Medium" panose="00000600000000000000" pitchFamily="50" charset="-127"/>
+              <a:cs typeface="KoPubWorld돋움체_Pro Medium" panose="00000600000000000000" pitchFamily="50" charset="-127"/>
+            </a:endParaRPr>
+          </a:p>
+          <a:p>
+            <a:endParaRPr lang="en-US" altLang="ko-KR" dirty="0">
+              <a:latin typeface="KoPubWorld돋움체_Pro Medium" panose="00000600000000000000" pitchFamily="50" charset="-127"/>
+              <a:ea typeface="KoPubWorld돋움체_Pro Medium" panose="00000600000000000000" pitchFamily="50" charset="-127"/>
+              <a:cs typeface="KoPubWorld돋움체_Pro Medium" panose="00000600000000000000" pitchFamily="50" charset="-127"/>
+            </a:endParaRPr>
+          </a:p>
+          <a:p>
+            <a:pPr marL="285750" indent="-285750">
+              <a:buFontTx/>
+              <a:buChar char="-"/>
+            </a:pPr>
+            <a:endParaRPr lang="en-US" altLang="ko-KR" dirty="0">
+              <a:latin typeface="KoPubWorld돋움체_Pro Medium" panose="00000600000000000000" pitchFamily="50" charset="-127"/>
+              <a:ea typeface="KoPubWorld돋움체_Pro Medium" panose="00000600000000000000" pitchFamily="50" charset="-127"/>
+              <a:cs typeface="KoPubWorld돋움체_Pro Medium" panose="00000600000000000000" pitchFamily="50" charset="-127"/>
+            </a:endParaRPr>
+          </a:p>
+        </p:txBody>
+      </p:sp>
     </p:spTree>
     <p:extLst>
       <p:ext uri="{BB962C8B-B14F-4D97-AF65-F5344CB8AC3E}">
